--- a/Slides/C#/7. OOP/Introduction to OOP.pptx
+++ b/Slides/C#/7. OOP/Introduction to OOP.pptx
@@ -5,7 +5,7 @@
     <p:sldMasterId id="2147483648" r:id="rId1"/>
   </p:sldMasterIdLst>
   <p:notesMasterIdLst>
-    <p:notesMasterId r:id="rId8"/>
+    <p:notesMasterId r:id="rId18"/>
   </p:notesMasterIdLst>
   <p:sldIdLst>
     <p:sldId id="257" r:id="rId2"/>
@@ -14,6 +14,16 @@
     <p:sldId id="348" r:id="rId5"/>
     <p:sldId id="349" r:id="rId6"/>
     <p:sldId id="350" r:id="rId7"/>
+    <p:sldId id="351" r:id="rId8"/>
+    <p:sldId id="352" r:id="rId9"/>
+    <p:sldId id="355" r:id="rId10"/>
+    <p:sldId id="353" r:id="rId11"/>
+    <p:sldId id="354" r:id="rId12"/>
+    <p:sldId id="356" r:id="rId13"/>
+    <p:sldId id="359" r:id="rId14"/>
+    <p:sldId id="360" r:id="rId15"/>
+    <p:sldId id="357" r:id="rId16"/>
+    <p:sldId id="358" r:id="rId17"/>
   </p:sldIdLst>
   <p:sldSz cx="12192000" cy="6858000"/>
   <p:notesSz cx="6858000" cy="9144000"/>
@@ -112,6 +122,11 @@
       </a:defRPr>
     </a:lvl9pPr>
   </p:defaultTextStyle>
+  <p:extLst>
+    <p:ext uri="{EFAFB233-063F-42B5-8137-9DF3F51BA10A}">
+      <p15:sldGuideLst xmlns:p15="http://schemas.microsoft.com/office/powerpoint/2012/main"/>
+    </p:ext>
+  </p:extLst>
 </p:presentation>
 </file>
 
@@ -197,7 +212,7 @@
           <a:p>
             <a:fld id="{C13843C5-8587-4871-8B78-5AF402621963}" type="datetimeFigureOut">
               <a:rPr lang="en-US" smtClean="0"/>
-              <a:t>7/3/2023</a:t>
+              <a:t>8/13/2023</a:t>
             </a:fld>
             <a:endParaRPr lang="en-US"/>
           </a:p>
@@ -715,7 +730,7 @@
           <a:p>
             <a:fld id="{17A960D0-5308-472D-A4A2-B6A682C21718}" type="datetimeFigureOut">
               <a:rPr lang="en-US" smtClean="0"/>
-              <a:t>7/3/2023</a:t>
+              <a:t>8/13/2023</a:t>
             </a:fld>
             <a:endParaRPr lang="en-US"/>
           </a:p>
@@ -913,7 +928,7 @@
           <a:p>
             <a:fld id="{17A960D0-5308-472D-A4A2-B6A682C21718}" type="datetimeFigureOut">
               <a:rPr lang="en-US" smtClean="0"/>
-              <a:t>7/3/2023</a:t>
+              <a:t>8/13/2023</a:t>
             </a:fld>
             <a:endParaRPr lang="en-US"/>
           </a:p>
@@ -1121,7 +1136,7 @@
           <a:p>
             <a:fld id="{17A960D0-5308-472D-A4A2-B6A682C21718}" type="datetimeFigureOut">
               <a:rPr lang="en-US" smtClean="0"/>
-              <a:t>7/3/2023</a:t>
+              <a:t>8/13/2023</a:t>
             </a:fld>
             <a:endParaRPr lang="en-US"/>
           </a:p>
@@ -1988,7 +2003,7 @@
           <a:p>
             <a:fld id="{17A960D0-5308-472D-A4A2-B6A682C21718}" type="datetimeFigureOut">
               <a:rPr lang="en-US" smtClean="0"/>
-              <a:t>7/3/2023</a:t>
+              <a:t>8/13/2023</a:t>
             </a:fld>
             <a:endParaRPr lang="en-US"/>
           </a:p>
@@ -2263,7 +2278,7 @@
           <a:p>
             <a:fld id="{17A960D0-5308-472D-A4A2-B6A682C21718}" type="datetimeFigureOut">
               <a:rPr lang="en-US" smtClean="0"/>
-              <a:t>7/3/2023</a:t>
+              <a:t>8/13/2023</a:t>
             </a:fld>
             <a:endParaRPr lang="en-US"/>
           </a:p>
@@ -2528,7 +2543,7 @@
           <a:p>
             <a:fld id="{17A960D0-5308-472D-A4A2-B6A682C21718}" type="datetimeFigureOut">
               <a:rPr lang="en-US" smtClean="0"/>
-              <a:t>7/3/2023</a:t>
+              <a:t>8/13/2023</a:t>
             </a:fld>
             <a:endParaRPr lang="en-US"/>
           </a:p>
@@ -2940,7 +2955,7 @@
           <a:p>
             <a:fld id="{17A960D0-5308-472D-A4A2-B6A682C21718}" type="datetimeFigureOut">
               <a:rPr lang="en-US" smtClean="0"/>
-              <a:t>7/3/2023</a:t>
+              <a:t>8/13/2023</a:t>
             </a:fld>
             <a:endParaRPr lang="en-US"/>
           </a:p>
@@ -3081,7 +3096,7 @@
           <a:p>
             <a:fld id="{17A960D0-5308-472D-A4A2-B6A682C21718}" type="datetimeFigureOut">
               <a:rPr lang="en-US" smtClean="0"/>
-              <a:t>7/3/2023</a:t>
+              <a:t>8/13/2023</a:t>
             </a:fld>
             <a:endParaRPr lang="en-US"/>
           </a:p>
@@ -3194,7 +3209,7 @@
           <a:p>
             <a:fld id="{17A960D0-5308-472D-A4A2-B6A682C21718}" type="datetimeFigureOut">
               <a:rPr lang="en-US" smtClean="0"/>
-              <a:t>7/3/2023</a:t>
+              <a:t>8/13/2023</a:t>
             </a:fld>
             <a:endParaRPr lang="en-US"/>
           </a:p>
@@ -3505,7 +3520,7 @@
           <a:p>
             <a:fld id="{17A960D0-5308-472D-A4A2-B6A682C21718}" type="datetimeFigureOut">
               <a:rPr lang="en-US" smtClean="0"/>
-              <a:t>7/3/2023</a:t>
+              <a:t>8/13/2023</a:t>
             </a:fld>
             <a:endParaRPr lang="en-US"/>
           </a:p>
@@ -3793,7 +3808,7 @@
           <a:p>
             <a:fld id="{17A960D0-5308-472D-A4A2-B6A682C21718}" type="datetimeFigureOut">
               <a:rPr lang="en-US" smtClean="0"/>
-              <a:t>7/3/2023</a:t>
+              <a:t>8/13/2023</a:t>
             </a:fld>
             <a:endParaRPr lang="en-US"/>
           </a:p>
@@ -4034,7 +4049,7 @@
           <a:p>
             <a:fld id="{17A960D0-5308-472D-A4A2-B6A682C21718}" type="datetimeFigureOut">
               <a:rPr lang="en-US" smtClean="0"/>
-              <a:t>7/3/2023</a:t>
+              <a:t>8/13/2023</a:t>
             </a:fld>
             <a:endParaRPr lang="en-US"/>
           </a:p>
@@ -27138,6 +27153,830 @@
 </p:sld>
 </file>
 
+<file path=ppt/slides/slide10.xml><?xml version="1.0" encoding="utf-8"?>
+<p:sld xmlns:a="http://schemas.openxmlformats.org/drawingml/2006/main" xmlns:r="http://schemas.openxmlformats.org/officeDocument/2006/relationships" xmlns:p="http://schemas.openxmlformats.org/presentationml/2006/main">
+  <p:cSld>
+    <p:spTree>
+      <p:nvGrpSpPr>
+        <p:cNvPr id="1" name=""/>
+        <p:cNvGrpSpPr/>
+        <p:nvPr/>
+      </p:nvGrpSpPr>
+      <p:grpSpPr>
+        <a:xfrm>
+          <a:off x="0" y="0"/>
+          <a:ext cx="0" cy="0"/>
+          <a:chOff x="0" y="0"/>
+          <a:chExt cx="0" cy="0"/>
+        </a:xfrm>
+      </p:grpSpPr>
+      <p:sp>
+        <p:nvSpPr>
+          <p:cNvPr id="2" name="Title 1">
+            <a:extLst>
+              <a:ext uri="{FF2B5EF4-FFF2-40B4-BE49-F238E27FC236}">
+                <a16:creationId xmlns:a16="http://schemas.microsoft.com/office/drawing/2014/main" id="{4182B2C6-EC80-2151-2247-BE1737289212}"/>
+              </a:ext>
+            </a:extLst>
+          </p:cNvPr>
+          <p:cNvSpPr>
+            <a:spLocks noGrp="1"/>
+          </p:cNvSpPr>
+          <p:nvPr>
+            <p:ph type="title"/>
+          </p:nvPr>
+        </p:nvSpPr>
+        <p:spPr>
+          <a:xfrm>
+            <a:off x="672353" y="260620"/>
+            <a:ext cx="7628776" cy="626886"/>
+          </a:xfrm>
+        </p:spPr>
+        <p:txBody>
+          <a:bodyPr/>
+          <a:lstStyle/>
+          <a:p>
+            <a:r>
+              <a:rPr lang="en-US" dirty="0"/>
+              <a:t>Constructors</a:t>
+            </a:r>
+          </a:p>
+        </p:txBody>
+      </p:sp>
+      <p:sp>
+        <p:nvSpPr>
+          <p:cNvPr id="3" name="Text Placeholder 2">
+            <a:extLst>
+              <a:ext uri="{FF2B5EF4-FFF2-40B4-BE49-F238E27FC236}">
+                <a16:creationId xmlns:a16="http://schemas.microsoft.com/office/drawing/2014/main" id="{B6AF5C29-97D8-AD4D-66FF-B721E93D82D1}"/>
+              </a:ext>
+            </a:extLst>
+          </p:cNvPr>
+          <p:cNvSpPr>
+            <a:spLocks noGrp="1"/>
+          </p:cNvSpPr>
+          <p:nvPr>
+            <p:ph type="body" idx="1"/>
+          </p:nvPr>
+        </p:nvSpPr>
+        <p:spPr>
+          <a:xfrm>
+            <a:off x="502024" y="1407458"/>
+            <a:ext cx="11223811" cy="5298141"/>
+          </a:xfrm>
+        </p:spPr>
+        <p:txBody>
+          <a:bodyPr/>
+          <a:lstStyle/>
+          <a:p>
+            <a:r>
+              <a:rPr lang="en-US" dirty="0"/>
+              <a:t>A method that is called when an instance of a class is </a:t>
+            </a:r>
+            <a:r>
+              <a:rPr lang="en-US" dirty="0" err="1"/>
+              <a:t>created.Its</a:t>
+            </a:r>
+            <a:r>
+              <a:rPr lang="en-US" dirty="0"/>
+              <a:t> essence is to put an object in an early state.</a:t>
+            </a:r>
+          </a:p>
+          <a:p>
+            <a:r>
+              <a:rPr lang="en-US" dirty="0"/>
+              <a:t>It has the same name as the class</a:t>
+            </a:r>
+          </a:p>
+          <a:p>
+            <a:r>
+              <a:rPr lang="en-US" dirty="0"/>
+              <a:t>Has no return type</a:t>
+            </a:r>
+          </a:p>
+          <a:p>
+            <a:r>
+              <a:rPr lang="en-US" dirty="0"/>
+              <a:t>Every class has a </a:t>
+            </a:r>
+            <a:r>
+              <a:rPr lang="en-US" dirty="0" err="1"/>
+              <a:t>contructor</a:t>
+            </a:r>
+            <a:r>
+              <a:rPr lang="en-US" dirty="0"/>
+              <a:t> , whether defined or not the constructor is used to initialize field with the default values.</a:t>
+            </a:r>
+          </a:p>
+          <a:p>
+            <a:endParaRPr lang="en-US" dirty="0"/>
+          </a:p>
+          <a:p>
+            <a:r>
+              <a:rPr lang="en-US" dirty="0"/>
+              <a:t>Constructor Overloading- This is having different constructors in the same class</a:t>
+            </a:r>
+          </a:p>
+        </p:txBody>
+      </p:sp>
+    </p:spTree>
+    <p:extLst>
+      <p:ext uri="{BB962C8B-B14F-4D97-AF65-F5344CB8AC3E}">
+        <p14:creationId xmlns:p14="http://schemas.microsoft.com/office/powerpoint/2010/main" val="1682813736"/>
+      </p:ext>
+    </p:extLst>
+  </p:cSld>
+  <p:clrMapOvr>
+    <a:masterClrMapping/>
+  </p:clrMapOvr>
+</p:sld>
+</file>
+
+<file path=ppt/slides/slide11.xml><?xml version="1.0" encoding="utf-8"?>
+<p:sld xmlns:a="http://schemas.openxmlformats.org/drawingml/2006/main" xmlns:r="http://schemas.openxmlformats.org/officeDocument/2006/relationships" xmlns:p="http://schemas.openxmlformats.org/presentationml/2006/main">
+  <p:cSld>
+    <p:spTree>
+      <p:nvGrpSpPr>
+        <p:cNvPr id="1" name=""/>
+        <p:cNvGrpSpPr/>
+        <p:nvPr/>
+      </p:nvGrpSpPr>
+      <p:grpSpPr>
+        <a:xfrm>
+          <a:off x="0" y="0"/>
+          <a:ext cx="0" cy="0"/>
+          <a:chOff x="0" y="0"/>
+          <a:chExt cx="0" cy="0"/>
+        </a:xfrm>
+      </p:grpSpPr>
+      <p:sp>
+        <p:nvSpPr>
+          <p:cNvPr id="2" name="Title 1">
+            <a:extLst>
+              <a:ext uri="{FF2B5EF4-FFF2-40B4-BE49-F238E27FC236}">
+                <a16:creationId xmlns:a16="http://schemas.microsoft.com/office/drawing/2014/main" id="{2FF82A7D-A56D-B471-3220-A8600B0EF964}"/>
+              </a:ext>
+            </a:extLst>
+          </p:cNvPr>
+          <p:cNvSpPr>
+            <a:spLocks noGrp="1"/>
+          </p:cNvSpPr>
+          <p:nvPr>
+            <p:ph type="title"/>
+          </p:nvPr>
+        </p:nvSpPr>
+        <p:spPr/>
+        <p:txBody>
+          <a:bodyPr/>
+          <a:lstStyle/>
+          <a:p>
+            <a:r>
+              <a:rPr lang="en-US" dirty="0"/>
+              <a:t>Object </a:t>
+            </a:r>
+          </a:p>
+        </p:txBody>
+      </p:sp>
+      <p:sp>
+        <p:nvSpPr>
+          <p:cNvPr id="3" name="Text Placeholder 2">
+            <a:extLst>
+              <a:ext uri="{FF2B5EF4-FFF2-40B4-BE49-F238E27FC236}">
+                <a16:creationId xmlns:a16="http://schemas.microsoft.com/office/drawing/2014/main" id="{43D2E12B-B683-737F-A289-55518D5788D1}"/>
+              </a:ext>
+            </a:extLst>
+          </p:cNvPr>
+          <p:cNvSpPr>
+            <a:spLocks noGrp="1"/>
+          </p:cNvSpPr>
+          <p:nvPr>
+            <p:ph type="body" idx="1"/>
+          </p:nvPr>
+        </p:nvSpPr>
+        <p:spPr>
+          <a:xfrm>
+            <a:off x="609600" y="2438400"/>
+            <a:ext cx="10336306" cy="3743800"/>
+          </a:xfrm>
+        </p:spPr>
+        <p:txBody>
+          <a:bodyPr/>
+          <a:lstStyle/>
+          <a:p>
+            <a:r>
+              <a:rPr lang="en-US" dirty="0"/>
+              <a:t>An object is an instance of a class </a:t>
+            </a:r>
+          </a:p>
+          <a:p>
+            <a:pPr marL="152396" indent="0">
+              <a:buNone/>
+            </a:pPr>
+            <a:r>
+              <a:rPr lang="en-US" b="1" dirty="0"/>
+              <a:t>Object initializer Syntax </a:t>
+            </a:r>
+          </a:p>
+          <a:p>
+            <a:r>
+              <a:rPr lang="en-US" dirty="0"/>
+              <a:t>This is a syntax that is used to quickly initialize an object </a:t>
+            </a:r>
+          </a:p>
+        </p:txBody>
+      </p:sp>
+    </p:spTree>
+    <p:extLst>
+      <p:ext uri="{BB962C8B-B14F-4D97-AF65-F5344CB8AC3E}">
+        <p14:creationId xmlns:p14="http://schemas.microsoft.com/office/powerpoint/2010/main" val="3381334751"/>
+      </p:ext>
+    </p:extLst>
+  </p:cSld>
+  <p:clrMapOvr>
+    <a:masterClrMapping/>
+  </p:clrMapOvr>
+</p:sld>
+</file>
+
+<file path=ppt/slides/slide12.xml><?xml version="1.0" encoding="utf-8"?>
+<p:sld xmlns:a="http://schemas.openxmlformats.org/drawingml/2006/main" xmlns:r="http://schemas.openxmlformats.org/officeDocument/2006/relationships" xmlns:p="http://schemas.openxmlformats.org/presentationml/2006/main">
+  <p:cSld>
+    <p:spTree>
+      <p:nvGrpSpPr>
+        <p:cNvPr id="1" name=""/>
+        <p:cNvGrpSpPr/>
+        <p:nvPr/>
+      </p:nvGrpSpPr>
+      <p:grpSpPr>
+        <a:xfrm>
+          <a:off x="0" y="0"/>
+          <a:ext cx="0" cy="0"/>
+          <a:chOff x="0" y="0"/>
+          <a:chExt cx="0" cy="0"/>
+        </a:xfrm>
+      </p:grpSpPr>
+      <p:sp>
+        <p:nvSpPr>
+          <p:cNvPr id="2" name="Title 1">
+            <a:extLst>
+              <a:ext uri="{FF2B5EF4-FFF2-40B4-BE49-F238E27FC236}">
+                <a16:creationId xmlns:a16="http://schemas.microsoft.com/office/drawing/2014/main" id="{0A2AC489-1692-6EAD-46A8-6DD17142C6D9}"/>
+              </a:ext>
+            </a:extLst>
+          </p:cNvPr>
+          <p:cNvSpPr>
+            <a:spLocks noGrp="1"/>
+          </p:cNvSpPr>
+          <p:nvPr>
+            <p:ph type="title"/>
+          </p:nvPr>
+        </p:nvSpPr>
+        <p:spPr/>
+        <p:txBody>
+          <a:bodyPr/>
+          <a:lstStyle/>
+          <a:p>
+            <a:r>
+              <a:rPr lang="en-US" dirty="0"/>
+              <a:t>Methods Overloading </a:t>
+            </a:r>
+          </a:p>
+        </p:txBody>
+      </p:sp>
+      <p:sp>
+        <p:nvSpPr>
+          <p:cNvPr id="3" name="Text Placeholder 2">
+            <a:extLst>
+              <a:ext uri="{FF2B5EF4-FFF2-40B4-BE49-F238E27FC236}">
+                <a16:creationId xmlns:a16="http://schemas.microsoft.com/office/drawing/2014/main" id="{1ACE6ED8-38FD-F0A3-589A-A66BA5297E29}"/>
+              </a:ext>
+            </a:extLst>
+          </p:cNvPr>
+          <p:cNvSpPr>
+            <a:spLocks noGrp="1"/>
+          </p:cNvSpPr>
+          <p:nvPr>
+            <p:ph type="body" idx="1"/>
+          </p:nvPr>
+        </p:nvSpPr>
+        <p:spPr/>
+        <p:txBody>
+          <a:bodyPr/>
+          <a:lstStyle/>
+          <a:p>
+            <a:pPr marL="152396" indent="0">
+              <a:buNone/>
+            </a:pPr>
+            <a:r>
+              <a:rPr lang="en-US" dirty="0"/>
+              <a:t>Method overloading are methods with the same name but different method signatures.</a:t>
+            </a:r>
+          </a:p>
+          <a:p>
+            <a:pPr marL="152396" indent="0">
+              <a:buNone/>
+            </a:pPr>
+            <a:r>
+              <a:rPr lang="en-US" dirty="0"/>
+              <a:t>A method signature is :</a:t>
+            </a:r>
+          </a:p>
+          <a:p>
+            <a:pPr>
+              <a:buFont typeface="Wingdings" panose="05000000000000000000" pitchFamily="2" charset="2"/>
+              <a:buChar char="Ø"/>
+            </a:pPr>
+            <a:r>
+              <a:rPr lang="en-US" dirty="0"/>
+              <a:t>The method Name</a:t>
+            </a:r>
+          </a:p>
+          <a:p>
+            <a:pPr>
+              <a:buFont typeface="Wingdings" panose="05000000000000000000" pitchFamily="2" charset="2"/>
+              <a:buChar char="Ø"/>
+            </a:pPr>
+            <a:r>
+              <a:rPr lang="en-US" dirty="0"/>
+              <a:t>The number and type of parameters</a:t>
+            </a:r>
+          </a:p>
+        </p:txBody>
+      </p:sp>
+    </p:spTree>
+    <p:extLst>
+      <p:ext uri="{BB962C8B-B14F-4D97-AF65-F5344CB8AC3E}">
+        <p14:creationId xmlns:p14="http://schemas.microsoft.com/office/powerpoint/2010/main" val="174347584"/>
+      </p:ext>
+    </p:extLst>
+  </p:cSld>
+  <p:clrMapOvr>
+    <a:masterClrMapping/>
+  </p:clrMapOvr>
+</p:sld>
+</file>
+
+<file path=ppt/slides/slide13.xml><?xml version="1.0" encoding="utf-8"?>
+<p:sld xmlns:a="http://schemas.openxmlformats.org/drawingml/2006/main" xmlns:r="http://schemas.openxmlformats.org/officeDocument/2006/relationships" xmlns:p="http://schemas.openxmlformats.org/presentationml/2006/main">
+  <p:cSld>
+    <p:spTree>
+      <p:nvGrpSpPr>
+        <p:cNvPr id="1" name=""/>
+        <p:cNvGrpSpPr/>
+        <p:nvPr/>
+      </p:nvGrpSpPr>
+      <p:grpSpPr>
+        <a:xfrm>
+          <a:off x="0" y="0"/>
+          <a:ext cx="0" cy="0"/>
+          <a:chOff x="0" y="0"/>
+          <a:chExt cx="0" cy="0"/>
+        </a:xfrm>
+      </p:grpSpPr>
+      <p:sp>
+        <p:nvSpPr>
+          <p:cNvPr id="2" name="Title 1">
+            <a:extLst>
+              <a:ext uri="{FF2B5EF4-FFF2-40B4-BE49-F238E27FC236}">
+                <a16:creationId xmlns:a16="http://schemas.microsoft.com/office/drawing/2014/main" id="{63DBD172-49C3-622D-0FC7-6829B730FBD3}"/>
+              </a:ext>
+            </a:extLst>
+          </p:cNvPr>
+          <p:cNvSpPr>
+            <a:spLocks noGrp="1"/>
+          </p:cNvSpPr>
+          <p:nvPr>
+            <p:ph type="title"/>
+          </p:nvPr>
+        </p:nvSpPr>
+        <p:spPr/>
+        <p:txBody>
+          <a:bodyPr/>
+          <a:lstStyle/>
+          <a:p>
+            <a:r>
+              <a:rPr lang="en-US" dirty="0"/>
+              <a:t>Access Modifiers</a:t>
+            </a:r>
+          </a:p>
+        </p:txBody>
+      </p:sp>
+      <p:sp>
+        <p:nvSpPr>
+          <p:cNvPr id="3" name="Text Placeholder 2">
+            <a:extLst>
+              <a:ext uri="{FF2B5EF4-FFF2-40B4-BE49-F238E27FC236}">
+                <a16:creationId xmlns:a16="http://schemas.microsoft.com/office/drawing/2014/main" id="{9AD45CF2-8CEF-2313-1F7F-90D1CD1340A5}"/>
+              </a:ext>
+            </a:extLst>
+          </p:cNvPr>
+          <p:cNvSpPr>
+            <a:spLocks noGrp="1"/>
+          </p:cNvSpPr>
+          <p:nvPr>
+            <p:ph type="body" idx="1"/>
+          </p:nvPr>
+        </p:nvSpPr>
+        <p:spPr>
+          <a:xfrm>
+            <a:off x="609600" y="1810871"/>
+            <a:ext cx="11250706" cy="4371329"/>
+          </a:xfrm>
+        </p:spPr>
+        <p:txBody>
+          <a:bodyPr/>
+          <a:lstStyle/>
+          <a:p>
+            <a:r>
+              <a:rPr lang="en-US" dirty="0"/>
+              <a:t>Public –Accessible from  everywhere </a:t>
+            </a:r>
+          </a:p>
+          <a:p>
+            <a:r>
+              <a:rPr lang="en-US" dirty="0"/>
+              <a:t>Private –accessible only in the class</a:t>
+            </a:r>
+          </a:p>
+          <a:p>
+            <a:r>
+              <a:rPr lang="en-US" dirty="0"/>
+              <a:t>Protected accessible in the class and derived classes</a:t>
+            </a:r>
+          </a:p>
+          <a:p>
+            <a:r>
+              <a:rPr lang="en-US" dirty="0"/>
+              <a:t>Internal – available only in the assembly</a:t>
+            </a:r>
+          </a:p>
+        </p:txBody>
+      </p:sp>
+    </p:spTree>
+    <p:extLst>
+      <p:ext uri="{BB962C8B-B14F-4D97-AF65-F5344CB8AC3E}">
+        <p14:creationId xmlns:p14="http://schemas.microsoft.com/office/powerpoint/2010/main" val="1814473347"/>
+      </p:ext>
+    </p:extLst>
+  </p:cSld>
+  <p:clrMapOvr>
+    <a:masterClrMapping/>
+  </p:clrMapOvr>
+</p:sld>
+</file>
+
+<file path=ppt/slides/slide14.xml><?xml version="1.0" encoding="utf-8"?>
+<p:sld xmlns:a="http://schemas.openxmlformats.org/drawingml/2006/main" xmlns:r="http://schemas.openxmlformats.org/officeDocument/2006/relationships" xmlns:p="http://schemas.openxmlformats.org/presentationml/2006/main">
+  <p:cSld>
+    <p:spTree>
+      <p:nvGrpSpPr>
+        <p:cNvPr id="1" name=""/>
+        <p:cNvGrpSpPr/>
+        <p:nvPr/>
+      </p:nvGrpSpPr>
+      <p:grpSpPr>
+        <a:xfrm>
+          <a:off x="0" y="0"/>
+          <a:ext cx="0" cy="0"/>
+          <a:chOff x="0" y="0"/>
+          <a:chExt cx="0" cy="0"/>
+        </a:xfrm>
+      </p:grpSpPr>
+      <p:sp>
+        <p:nvSpPr>
+          <p:cNvPr id="2" name="Title 1">
+            <a:extLst>
+              <a:ext uri="{FF2B5EF4-FFF2-40B4-BE49-F238E27FC236}">
+                <a16:creationId xmlns:a16="http://schemas.microsoft.com/office/drawing/2014/main" id="{E0F45DD5-0895-2C72-FF2A-341B33185DB2}"/>
+              </a:ext>
+            </a:extLst>
+          </p:cNvPr>
+          <p:cNvSpPr>
+            <a:spLocks noGrp="1"/>
+          </p:cNvSpPr>
+          <p:nvPr>
+            <p:ph type="title"/>
+          </p:nvPr>
+        </p:nvSpPr>
+        <p:spPr/>
+        <p:txBody>
+          <a:bodyPr/>
+          <a:lstStyle/>
+          <a:p>
+            <a:r>
+              <a:rPr lang="en-US" dirty="0"/>
+              <a:t>Properties</a:t>
+            </a:r>
+          </a:p>
+        </p:txBody>
+      </p:sp>
+      <p:sp>
+        <p:nvSpPr>
+          <p:cNvPr id="3" name="Text Placeholder 2">
+            <a:extLst>
+              <a:ext uri="{FF2B5EF4-FFF2-40B4-BE49-F238E27FC236}">
+                <a16:creationId xmlns:a16="http://schemas.microsoft.com/office/drawing/2014/main" id="{FCD2255B-B507-F6DF-4A9D-EB068E55FB51}"/>
+              </a:ext>
+            </a:extLst>
+          </p:cNvPr>
+          <p:cNvSpPr>
+            <a:spLocks noGrp="1"/>
+          </p:cNvSpPr>
+          <p:nvPr>
+            <p:ph type="body" idx="1"/>
+          </p:nvPr>
+        </p:nvSpPr>
+        <p:spPr/>
+        <p:txBody>
+          <a:bodyPr/>
+          <a:lstStyle/>
+          <a:p>
+            <a:endParaRPr lang="en-US"/>
+          </a:p>
+        </p:txBody>
+      </p:sp>
+    </p:spTree>
+    <p:extLst>
+      <p:ext uri="{BB962C8B-B14F-4D97-AF65-F5344CB8AC3E}">
+        <p14:creationId xmlns:p14="http://schemas.microsoft.com/office/powerpoint/2010/main" val="2553325262"/>
+      </p:ext>
+    </p:extLst>
+  </p:cSld>
+  <p:clrMapOvr>
+    <a:masterClrMapping/>
+  </p:clrMapOvr>
+</p:sld>
+</file>
+
+<file path=ppt/slides/slide15.xml><?xml version="1.0" encoding="utf-8"?>
+<p:sld xmlns:a="http://schemas.openxmlformats.org/drawingml/2006/main" xmlns:r="http://schemas.openxmlformats.org/officeDocument/2006/relationships" xmlns:p="http://schemas.openxmlformats.org/presentationml/2006/main">
+  <p:cSld>
+    <p:spTree>
+      <p:nvGrpSpPr>
+        <p:cNvPr id="1" name=""/>
+        <p:cNvGrpSpPr/>
+        <p:nvPr/>
+      </p:nvGrpSpPr>
+      <p:grpSpPr>
+        <a:xfrm>
+          <a:off x="0" y="0"/>
+          <a:ext cx="0" cy="0"/>
+          <a:chOff x="0" y="0"/>
+          <a:chExt cx="0" cy="0"/>
+        </a:xfrm>
+      </p:grpSpPr>
+      <p:sp>
+        <p:nvSpPr>
+          <p:cNvPr id="2" name="Title 1">
+            <a:extLst>
+              <a:ext uri="{FF2B5EF4-FFF2-40B4-BE49-F238E27FC236}">
+                <a16:creationId xmlns:a16="http://schemas.microsoft.com/office/drawing/2014/main" id="{9E20CD1C-21EE-779A-B5CA-50D11E5795B6}"/>
+              </a:ext>
+            </a:extLst>
+          </p:cNvPr>
+          <p:cNvSpPr>
+            <a:spLocks noGrp="1"/>
+          </p:cNvSpPr>
+          <p:nvPr>
+            <p:ph type="title"/>
+          </p:nvPr>
+        </p:nvSpPr>
+        <p:spPr/>
+        <p:txBody>
+          <a:bodyPr/>
+          <a:lstStyle/>
+          <a:p>
+            <a:r>
+              <a:rPr lang="en-US" dirty="0"/>
+              <a:t>Inheritance (is-a)</a:t>
+            </a:r>
+          </a:p>
+        </p:txBody>
+      </p:sp>
+      <p:sp>
+        <p:nvSpPr>
+          <p:cNvPr id="3" name="Text Placeholder 2">
+            <a:extLst>
+              <a:ext uri="{FF2B5EF4-FFF2-40B4-BE49-F238E27FC236}">
+                <a16:creationId xmlns:a16="http://schemas.microsoft.com/office/drawing/2014/main" id="{3A6385BD-0929-14A2-0C2F-A29F4533049A}"/>
+              </a:ext>
+            </a:extLst>
+          </p:cNvPr>
+          <p:cNvSpPr>
+            <a:spLocks noGrp="1"/>
+          </p:cNvSpPr>
+          <p:nvPr>
+            <p:ph type="body" idx="1"/>
+          </p:nvPr>
+        </p:nvSpPr>
+        <p:spPr>
+          <a:xfrm>
+            <a:off x="609599" y="1658471"/>
+            <a:ext cx="11134165" cy="4523729"/>
+          </a:xfrm>
+        </p:spPr>
+        <p:txBody>
+          <a:bodyPr/>
+          <a:lstStyle/>
+          <a:p>
+            <a:pPr marL="152396" indent="0">
+              <a:buNone/>
+            </a:pPr>
+            <a:r>
+              <a:rPr lang="en-US" dirty="0"/>
+              <a:t>Inheritance is a principle in OOP that allows consuming the members defined in one class in another.</a:t>
+            </a:r>
+          </a:p>
+          <a:p>
+            <a:pPr marL="152396" indent="0">
+              <a:buNone/>
+            </a:pPr>
+            <a:r>
+              <a:rPr lang="en-US" dirty="0"/>
+              <a:t>The advantage of inheritance are :</a:t>
+            </a:r>
+          </a:p>
+          <a:p>
+            <a:r>
+              <a:rPr lang="en-US" dirty="0"/>
+              <a:t>Its easy to use </a:t>
+            </a:r>
+          </a:p>
+          <a:p>
+            <a:r>
+              <a:rPr lang="en-US" dirty="0"/>
+              <a:t>It  allows code Reuse</a:t>
+            </a:r>
+          </a:p>
+          <a:p>
+            <a:r>
+              <a:rPr lang="en-US" dirty="0"/>
+              <a:t> </a:t>
+            </a:r>
+          </a:p>
+        </p:txBody>
+      </p:sp>
+    </p:spTree>
+    <p:extLst>
+      <p:ext uri="{BB962C8B-B14F-4D97-AF65-F5344CB8AC3E}">
+        <p14:creationId xmlns:p14="http://schemas.microsoft.com/office/powerpoint/2010/main" val="3638950446"/>
+      </p:ext>
+    </p:extLst>
+  </p:cSld>
+  <p:clrMapOvr>
+    <a:masterClrMapping/>
+  </p:clrMapOvr>
+</p:sld>
+</file>
+
+<file path=ppt/slides/slide16.xml><?xml version="1.0" encoding="utf-8"?>
+<p:sld xmlns:a="http://schemas.openxmlformats.org/drawingml/2006/main" xmlns:r="http://schemas.openxmlformats.org/officeDocument/2006/relationships" xmlns:p="http://schemas.openxmlformats.org/presentationml/2006/main">
+  <p:cSld>
+    <p:spTree>
+      <p:nvGrpSpPr>
+        <p:cNvPr id="1" name=""/>
+        <p:cNvGrpSpPr/>
+        <p:nvPr/>
+      </p:nvGrpSpPr>
+      <p:grpSpPr>
+        <a:xfrm>
+          <a:off x="0" y="0"/>
+          <a:ext cx="0" cy="0"/>
+          <a:chOff x="0" y="0"/>
+          <a:chExt cx="0" cy="0"/>
+        </a:xfrm>
+      </p:grpSpPr>
+      <p:sp>
+        <p:nvSpPr>
+          <p:cNvPr id="2" name="Title 1">
+            <a:extLst>
+              <a:ext uri="{FF2B5EF4-FFF2-40B4-BE49-F238E27FC236}">
+                <a16:creationId xmlns:a16="http://schemas.microsoft.com/office/drawing/2014/main" id="{3C0AA8A3-51B3-4D79-1B3F-9D49D78F9275}"/>
+              </a:ext>
+            </a:extLst>
+          </p:cNvPr>
+          <p:cNvSpPr>
+            <a:spLocks noGrp="1"/>
+          </p:cNvSpPr>
+          <p:nvPr>
+            <p:ph type="title"/>
+          </p:nvPr>
+        </p:nvSpPr>
+        <p:spPr/>
+        <p:txBody>
+          <a:bodyPr/>
+          <a:lstStyle/>
+          <a:p>
+            <a:r>
+              <a:rPr lang="en-US" dirty="0"/>
+              <a:t>Composition (Has-a)</a:t>
+            </a:r>
+          </a:p>
+        </p:txBody>
+      </p:sp>
+      <p:sp>
+        <p:nvSpPr>
+          <p:cNvPr id="3" name="Text Placeholder 2">
+            <a:extLst>
+              <a:ext uri="{FF2B5EF4-FFF2-40B4-BE49-F238E27FC236}">
+                <a16:creationId xmlns:a16="http://schemas.microsoft.com/office/drawing/2014/main" id="{E76CB195-15BC-F920-9AD1-7CB0362B0D6A}"/>
+              </a:ext>
+            </a:extLst>
+          </p:cNvPr>
+          <p:cNvSpPr>
+            <a:spLocks noGrp="1"/>
+          </p:cNvSpPr>
+          <p:nvPr>
+            <p:ph type="body" idx="1"/>
+          </p:nvPr>
+        </p:nvSpPr>
+        <p:spPr>
+          <a:xfrm>
+            <a:off x="609600" y="1586753"/>
+            <a:ext cx="9780494" cy="4595447"/>
+          </a:xfrm>
+        </p:spPr>
+        <p:txBody>
+          <a:bodyPr/>
+          <a:lstStyle/>
+          <a:p>
+            <a:pPr marL="152396" indent="0">
+              <a:buNone/>
+            </a:pPr>
+            <a:r>
+              <a:rPr lang="en-US" dirty="0"/>
+              <a:t>This is a relationship between two classes that help one to contain the other .</a:t>
+            </a:r>
+          </a:p>
+          <a:p>
+            <a:pPr marL="152396" indent="0">
+              <a:buNone/>
+            </a:pPr>
+            <a:endParaRPr lang="en-US" dirty="0"/>
+          </a:p>
+          <a:p>
+            <a:pPr marL="152396" indent="0">
+              <a:buNone/>
+            </a:pPr>
+            <a:r>
+              <a:rPr lang="en-US" dirty="0"/>
+              <a:t>Advantages of composition over inheritance </a:t>
+            </a:r>
+          </a:p>
+          <a:p>
+            <a:pPr marL="152396" indent="0">
+              <a:buNone/>
+            </a:pPr>
+            <a:r>
+              <a:rPr lang="en-US" dirty="0"/>
+              <a:t>Code reusability </a:t>
+            </a:r>
+          </a:p>
+          <a:p>
+            <a:pPr marL="152396" indent="0">
+              <a:buNone/>
+            </a:pPr>
+            <a:r>
+              <a:rPr lang="en-US" dirty="0"/>
+              <a:t>Flexibility</a:t>
+            </a:r>
+          </a:p>
+          <a:p>
+            <a:pPr marL="152396" indent="0">
+              <a:buNone/>
+            </a:pPr>
+            <a:r>
+              <a:rPr lang="en-US" dirty="0"/>
+              <a:t>Loose-coupling</a:t>
+            </a:r>
+          </a:p>
+          <a:p>
+            <a:pPr marL="152396" indent="0">
+              <a:buNone/>
+            </a:pPr>
+            <a:endParaRPr lang="en-US" dirty="0"/>
+          </a:p>
+          <a:p>
+            <a:pPr marL="152396" indent="0">
+              <a:buNone/>
+            </a:pPr>
+            <a:endParaRPr lang="en-US" dirty="0"/>
+          </a:p>
+        </p:txBody>
+      </p:sp>
+    </p:spTree>
+    <p:extLst>
+      <p:ext uri="{BB962C8B-B14F-4D97-AF65-F5344CB8AC3E}">
+        <p14:creationId xmlns:p14="http://schemas.microsoft.com/office/powerpoint/2010/main" val="1959938957"/>
+      </p:ext>
+    </p:extLst>
+  </p:cSld>
+  <p:clrMapOvr>
+    <a:masterClrMapping/>
+  </p:clrMapOvr>
+</p:sld>
+</file>
+
 <file path=ppt/slides/slide2.xml><?xml version="1.0" encoding="utf-8"?>
 <p:sld xmlns:a="http://schemas.openxmlformats.org/drawingml/2006/main" xmlns:r="http://schemas.openxmlformats.org/officeDocument/2006/relationships" xmlns:p="http://schemas.openxmlformats.org/presentationml/2006/main">
   <p:cSld>
@@ -27956,6 +28795,508 @@
 </p:sld>
 </file>
 
+<file path=ppt/slides/slide7.xml><?xml version="1.0" encoding="utf-8"?>
+<p:sld xmlns:a="http://schemas.openxmlformats.org/drawingml/2006/main" xmlns:r="http://schemas.openxmlformats.org/officeDocument/2006/relationships" xmlns:p="http://schemas.openxmlformats.org/presentationml/2006/main">
+  <p:cSld>
+    <p:spTree>
+      <p:nvGrpSpPr>
+        <p:cNvPr id="1" name=""/>
+        <p:cNvGrpSpPr/>
+        <p:nvPr/>
+      </p:nvGrpSpPr>
+      <p:grpSpPr>
+        <a:xfrm>
+          <a:off x="0" y="0"/>
+          <a:ext cx="0" cy="0"/>
+          <a:chOff x="0" y="0"/>
+          <a:chExt cx="0" cy="0"/>
+        </a:xfrm>
+      </p:grpSpPr>
+      <p:sp>
+        <p:nvSpPr>
+          <p:cNvPr id="2" name="Title 1">
+            <a:extLst>
+              <a:ext uri="{FF2B5EF4-FFF2-40B4-BE49-F238E27FC236}">
+                <a16:creationId xmlns:a16="http://schemas.microsoft.com/office/drawing/2014/main" id="{DD3B11D8-3E0D-8FDA-3958-4B6D3A197048}"/>
+              </a:ext>
+            </a:extLst>
+          </p:cNvPr>
+          <p:cNvSpPr>
+            <a:spLocks noGrp="1"/>
+          </p:cNvSpPr>
+          <p:nvPr>
+            <p:ph type="title"/>
+          </p:nvPr>
+        </p:nvSpPr>
+        <p:spPr/>
+        <p:txBody>
+          <a:bodyPr/>
+          <a:lstStyle/>
+          <a:p>
+            <a:r>
+              <a:rPr lang="en-US" dirty="0"/>
+              <a:t>Classes</a:t>
+            </a:r>
+          </a:p>
+        </p:txBody>
+      </p:sp>
+      <p:sp>
+        <p:nvSpPr>
+          <p:cNvPr id="3" name="Text Placeholder 2">
+            <a:extLst>
+              <a:ext uri="{FF2B5EF4-FFF2-40B4-BE49-F238E27FC236}">
+                <a16:creationId xmlns:a16="http://schemas.microsoft.com/office/drawing/2014/main" id="{2E8327A8-BCE1-31C2-D76B-F86B34EEBD03}"/>
+              </a:ext>
+            </a:extLst>
+          </p:cNvPr>
+          <p:cNvSpPr>
+            <a:spLocks noGrp="1"/>
+          </p:cNvSpPr>
+          <p:nvPr>
+            <p:ph type="body" idx="1"/>
+          </p:nvPr>
+        </p:nvSpPr>
+        <p:spPr>
+          <a:xfrm>
+            <a:off x="609599" y="1757082"/>
+            <a:ext cx="10757647" cy="4425118"/>
+          </a:xfrm>
+        </p:spPr>
+        <p:txBody>
+          <a:bodyPr/>
+          <a:lstStyle/>
+          <a:p>
+            <a:pPr marL="152396" indent="0">
+              <a:buNone/>
+            </a:pPr>
+            <a:r>
+              <a:rPr lang="en-US" dirty="0"/>
+              <a:t>A class is a Blueprint of </a:t>
+            </a:r>
+            <a:r>
+              <a:rPr lang="en-US" dirty="0" err="1"/>
+              <a:t>objects.It</a:t>
+            </a:r>
+            <a:r>
+              <a:rPr lang="en-US" dirty="0"/>
+              <a:t> is used to describe the state and behaviour that an object will have </a:t>
+            </a:r>
+          </a:p>
+          <a:p>
+            <a:pPr marL="152396" indent="0">
+              <a:buNone/>
+            </a:pPr>
+            <a:r>
+              <a:rPr lang="en-US" dirty="0"/>
+              <a:t>Anatomy of a Class:</a:t>
+            </a:r>
+            <a:br>
+              <a:rPr lang="en-US" dirty="0"/>
+            </a:br>
+            <a:endParaRPr lang="en-US" dirty="0"/>
+          </a:p>
+          <a:p>
+            <a:r>
+              <a:rPr lang="en-US" dirty="0"/>
+              <a:t>Field – Describes the characteristics</a:t>
+            </a:r>
+          </a:p>
+          <a:p>
+            <a:r>
+              <a:rPr lang="en-US" dirty="0"/>
+              <a:t>Methods –Describes the </a:t>
+            </a:r>
+            <a:r>
+              <a:rPr lang="en-US" dirty="0" err="1"/>
+              <a:t>behaviours</a:t>
+            </a:r>
+            <a:endParaRPr lang="en-US" dirty="0"/>
+          </a:p>
+        </p:txBody>
+      </p:sp>
+    </p:spTree>
+    <p:extLst>
+      <p:ext uri="{BB962C8B-B14F-4D97-AF65-F5344CB8AC3E}">
+        <p14:creationId xmlns:p14="http://schemas.microsoft.com/office/powerpoint/2010/main" val="2578627925"/>
+      </p:ext>
+    </p:extLst>
+  </p:cSld>
+  <p:clrMapOvr>
+    <a:masterClrMapping/>
+  </p:clrMapOvr>
+</p:sld>
+</file>
+
+<file path=ppt/slides/slide8.xml><?xml version="1.0" encoding="utf-8"?>
+<p:sld xmlns:a="http://schemas.openxmlformats.org/drawingml/2006/main" xmlns:r="http://schemas.openxmlformats.org/officeDocument/2006/relationships" xmlns:p="http://schemas.openxmlformats.org/presentationml/2006/main">
+  <p:cSld>
+    <p:spTree>
+      <p:nvGrpSpPr>
+        <p:cNvPr id="1" name=""/>
+        <p:cNvGrpSpPr/>
+        <p:nvPr/>
+      </p:nvGrpSpPr>
+      <p:grpSpPr>
+        <a:xfrm>
+          <a:off x="0" y="0"/>
+          <a:ext cx="0" cy="0"/>
+          <a:chOff x="0" y="0"/>
+          <a:chExt cx="0" cy="0"/>
+        </a:xfrm>
+      </p:grpSpPr>
+      <p:sp>
+        <p:nvSpPr>
+          <p:cNvPr id="2" name="Title 1">
+            <a:extLst>
+              <a:ext uri="{FF2B5EF4-FFF2-40B4-BE49-F238E27FC236}">
+                <a16:creationId xmlns:a16="http://schemas.microsoft.com/office/drawing/2014/main" id="{A3F992CC-55B4-4B5F-E4C5-9E89362D2C15}"/>
+              </a:ext>
+            </a:extLst>
+          </p:cNvPr>
+          <p:cNvSpPr>
+            <a:spLocks noGrp="1"/>
+          </p:cNvSpPr>
+          <p:nvPr>
+            <p:ph type="title"/>
+          </p:nvPr>
+        </p:nvSpPr>
+        <p:spPr>
+          <a:xfrm>
+            <a:off x="672353" y="99255"/>
+            <a:ext cx="7844118" cy="815145"/>
+          </a:xfrm>
+        </p:spPr>
+        <p:txBody>
+          <a:bodyPr/>
+          <a:lstStyle/>
+          <a:p>
+            <a:r>
+              <a:rPr lang="en-US" dirty="0"/>
+              <a:t>Declaring a class </a:t>
+            </a:r>
+          </a:p>
+        </p:txBody>
+      </p:sp>
+      <p:sp>
+        <p:nvSpPr>
+          <p:cNvPr id="3" name="Text Placeholder 2">
+            <a:extLst>
+              <a:ext uri="{FF2B5EF4-FFF2-40B4-BE49-F238E27FC236}">
+                <a16:creationId xmlns:a16="http://schemas.microsoft.com/office/drawing/2014/main" id="{A9AD7B47-6EC3-7D0B-5AE9-B14E44982F40}"/>
+              </a:ext>
+            </a:extLst>
+          </p:cNvPr>
+          <p:cNvSpPr>
+            <a:spLocks noGrp="1"/>
+          </p:cNvSpPr>
+          <p:nvPr>
+            <p:ph type="body" idx="1"/>
+          </p:nvPr>
+        </p:nvSpPr>
+        <p:spPr>
+          <a:xfrm>
+            <a:off x="519954" y="833717"/>
+            <a:ext cx="11412070" cy="5853953"/>
+          </a:xfrm>
+        </p:spPr>
+        <p:txBody>
+          <a:bodyPr/>
+          <a:lstStyle/>
+          <a:p>
+            <a:pPr marL="152396" indent="0">
+              <a:buNone/>
+            </a:pPr>
+            <a:r>
+              <a:rPr lang="en-US" sz="2400" dirty="0"/>
+              <a:t>To declare a class we use :</a:t>
+            </a:r>
+          </a:p>
+          <a:p>
+            <a:pPr>
+              <a:buFont typeface="Wingdings" panose="05000000000000000000" pitchFamily="2" charset="2"/>
+              <a:buChar char="v"/>
+            </a:pPr>
+            <a:r>
+              <a:rPr lang="en-US" sz="2400" dirty="0"/>
+              <a:t>An access modifier</a:t>
+            </a:r>
+          </a:p>
+          <a:p>
+            <a:pPr>
+              <a:buFont typeface="Wingdings" panose="05000000000000000000" pitchFamily="2" charset="2"/>
+              <a:buChar char="v"/>
+            </a:pPr>
+            <a:r>
+              <a:rPr lang="en-US" sz="2400" dirty="0"/>
+              <a:t>Class keyword </a:t>
+            </a:r>
+          </a:p>
+          <a:p>
+            <a:pPr>
+              <a:buFont typeface="Wingdings" panose="05000000000000000000" pitchFamily="2" charset="2"/>
+              <a:buChar char="v"/>
+            </a:pPr>
+            <a:r>
+              <a:rPr lang="en-US" sz="2400" dirty="0"/>
+              <a:t>The class Name</a:t>
+            </a:r>
+          </a:p>
+          <a:p>
+            <a:pPr marL="152396" indent="0">
+              <a:buNone/>
+            </a:pPr>
+            <a:endParaRPr lang="en-US" sz="2400" dirty="0"/>
+          </a:p>
+          <a:p>
+            <a:pPr marL="152396" indent="0">
+              <a:buNone/>
+            </a:pPr>
+            <a:r>
+              <a:rPr lang="en-US" sz="2400" dirty="0"/>
+              <a:t>Do declare a Field you need:</a:t>
+            </a:r>
+          </a:p>
+          <a:p>
+            <a:pPr>
+              <a:buFont typeface="Wingdings" panose="05000000000000000000" pitchFamily="2" charset="2"/>
+              <a:buChar char="v"/>
+            </a:pPr>
+            <a:r>
+              <a:rPr lang="en-US" sz="2400" dirty="0"/>
+              <a:t>An access modifier</a:t>
+            </a:r>
+          </a:p>
+          <a:p>
+            <a:pPr>
+              <a:buFont typeface="Wingdings" panose="05000000000000000000" pitchFamily="2" charset="2"/>
+              <a:buChar char="v"/>
+            </a:pPr>
+            <a:r>
+              <a:rPr lang="en-US" sz="2400" dirty="0"/>
+              <a:t>Data type</a:t>
+            </a:r>
+          </a:p>
+          <a:p>
+            <a:pPr>
+              <a:buFont typeface="Wingdings" panose="05000000000000000000" pitchFamily="2" charset="2"/>
+              <a:buChar char="v"/>
+            </a:pPr>
+            <a:r>
+              <a:rPr lang="en-US" sz="2400" dirty="0"/>
+              <a:t>The Field  Name</a:t>
+            </a:r>
+          </a:p>
+          <a:p>
+            <a:pPr>
+              <a:buFont typeface="Wingdings" panose="05000000000000000000" pitchFamily="2" charset="2"/>
+              <a:buChar char="v"/>
+            </a:pPr>
+            <a:endParaRPr lang="en-US" sz="2400" dirty="0"/>
+          </a:p>
+          <a:p>
+            <a:pPr marL="152396" indent="0">
+              <a:buNone/>
+            </a:pPr>
+            <a:r>
+              <a:rPr lang="en-US" sz="2400" dirty="0"/>
+              <a:t>To Declare a Method you need </a:t>
+            </a:r>
+          </a:p>
+          <a:p>
+            <a:pPr>
+              <a:buFont typeface="Wingdings" panose="05000000000000000000" pitchFamily="2" charset="2"/>
+              <a:buChar char="v"/>
+            </a:pPr>
+            <a:r>
+              <a:rPr lang="en-US" sz="2400" dirty="0"/>
+              <a:t>An access modifier</a:t>
+            </a:r>
+          </a:p>
+          <a:p>
+            <a:pPr>
+              <a:buFont typeface="Wingdings" panose="05000000000000000000" pitchFamily="2" charset="2"/>
+              <a:buChar char="v"/>
+            </a:pPr>
+            <a:r>
+              <a:rPr lang="en-US" sz="2400" dirty="0"/>
+              <a:t>Return  type</a:t>
+            </a:r>
+          </a:p>
+          <a:p>
+            <a:pPr>
+              <a:buFont typeface="Wingdings" panose="05000000000000000000" pitchFamily="2" charset="2"/>
+              <a:buChar char="v"/>
+            </a:pPr>
+            <a:r>
+              <a:rPr lang="en-US" sz="2400" dirty="0"/>
+              <a:t>The Method   Name</a:t>
+            </a:r>
+          </a:p>
+          <a:p>
+            <a:pPr marL="152396" indent="0">
+              <a:buNone/>
+            </a:pPr>
+            <a:endParaRPr lang="en-US" dirty="0"/>
+          </a:p>
+        </p:txBody>
+      </p:sp>
+      <p:pic>
+        <p:nvPicPr>
+          <p:cNvPr id="5" name="Picture 4">
+            <a:extLst>
+              <a:ext uri="{FF2B5EF4-FFF2-40B4-BE49-F238E27FC236}">
+                <a16:creationId xmlns:a16="http://schemas.microsoft.com/office/drawing/2014/main" id="{8005C4BB-12CB-32FB-8771-6D21CE18BF55}"/>
+              </a:ext>
+            </a:extLst>
+          </p:cNvPr>
+          <p:cNvPicPr>
+            <a:picLocks noChangeAspect="1"/>
+          </p:cNvPicPr>
+          <p:nvPr/>
+        </p:nvPicPr>
+        <p:blipFill>
+          <a:blip r:embed="rId2"/>
+          <a:stretch>
+            <a:fillRect/>
+          </a:stretch>
+        </p:blipFill>
+        <p:spPr>
+          <a:xfrm>
+            <a:off x="6635053" y="1031588"/>
+            <a:ext cx="3977985" cy="1234547"/>
+          </a:xfrm>
+          <a:prstGeom prst="rect">
+            <a:avLst/>
+          </a:prstGeom>
+        </p:spPr>
+      </p:pic>
+    </p:spTree>
+    <p:extLst>
+      <p:ext uri="{BB962C8B-B14F-4D97-AF65-F5344CB8AC3E}">
+        <p14:creationId xmlns:p14="http://schemas.microsoft.com/office/powerpoint/2010/main" val="4039123921"/>
+      </p:ext>
+    </p:extLst>
+  </p:cSld>
+  <p:clrMapOvr>
+    <a:masterClrMapping/>
+  </p:clrMapOvr>
+</p:sld>
+</file>
+
+<file path=ppt/slides/slide9.xml><?xml version="1.0" encoding="utf-8"?>
+<p:sld xmlns:a="http://schemas.openxmlformats.org/drawingml/2006/main" xmlns:r="http://schemas.openxmlformats.org/officeDocument/2006/relationships" xmlns:p="http://schemas.openxmlformats.org/presentationml/2006/main">
+  <p:cSld>
+    <p:spTree>
+      <p:nvGrpSpPr>
+        <p:cNvPr id="1" name=""/>
+        <p:cNvGrpSpPr/>
+        <p:nvPr/>
+      </p:nvGrpSpPr>
+      <p:grpSpPr>
+        <a:xfrm>
+          <a:off x="0" y="0"/>
+          <a:ext cx="0" cy="0"/>
+          <a:chOff x="0" y="0"/>
+          <a:chExt cx="0" cy="0"/>
+        </a:xfrm>
+      </p:grpSpPr>
+      <p:sp>
+        <p:nvSpPr>
+          <p:cNvPr id="2" name="Title 1">
+            <a:extLst>
+              <a:ext uri="{FF2B5EF4-FFF2-40B4-BE49-F238E27FC236}">
+                <a16:creationId xmlns:a16="http://schemas.microsoft.com/office/drawing/2014/main" id="{067B6EC7-9F9E-23ED-1015-C6BB874E017F}"/>
+              </a:ext>
+            </a:extLst>
+          </p:cNvPr>
+          <p:cNvSpPr>
+            <a:spLocks noGrp="1"/>
+          </p:cNvSpPr>
+          <p:nvPr>
+            <p:ph type="title"/>
+          </p:nvPr>
+        </p:nvSpPr>
+        <p:spPr/>
+        <p:txBody>
+          <a:bodyPr/>
+          <a:lstStyle/>
+          <a:p>
+            <a:r>
+              <a:rPr lang="en-US" dirty="0"/>
+              <a:t>Class Members </a:t>
+            </a:r>
+          </a:p>
+        </p:txBody>
+      </p:sp>
+      <p:sp>
+        <p:nvSpPr>
+          <p:cNvPr id="3" name="Text Placeholder 2">
+            <a:extLst>
+              <a:ext uri="{FF2B5EF4-FFF2-40B4-BE49-F238E27FC236}">
+                <a16:creationId xmlns:a16="http://schemas.microsoft.com/office/drawing/2014/main" id="{15297790-A892-7C59-4691-24C5AC0FB38F}"/>
+              </a:ext>
+            </a:extLst>
+          </p:cNvPr>
+          <p:cNvSpPr>
+            <a:spLocks noGrp="1"/>
+          </p:cNvSpPr>
+          <p:nvPr>
+            <p:ph type="body" idx="1"/>
+          </p:nvPr>
+        </p:nvSpPr>
+        <p:spPr>
+          <a:xfrm>
+            <a:off x="609599" y="1640541"/>
+            <a:ext cx="11268635" cy="4541659"/>
+          </a:xfrm>
+        </p:spPr>
+        <p:txBody>
+          <a:bodyPr/>
+          <a:lstStyle/>
+          <a:p>
+            <a:r>
+              <a:rPr lang="en-US" dirty="0"/>
+              <a:t>In classes there are two types of members:</a:t>
+            </a:r>
+          </a:p>
+          <a:p>
+            <a:r>
+              <a:rPr lang="en-US" dirty="0"/>
+              <a:t>Instance members – these are field or method that are accessible from the object</a:t>
+            </a:r>
+          </a:p>
+          <a:p>
+            <a:r>
+              <a:rPr lang="en-US" dirty="0"/>
+              <a:t>Static members – these are fields </a:t>
+            </a:r>
+            <a:r>
+              <a:rPr lang="en-US" dirty="0" err="1"/>
+              <a:t>oor</a:t>
+            </a:r>
+            <a:r>
+              <a:rPr lang="en-US" dirty="0"/>
+              <a:t> methods that are accessible from the class.</a:t>
+            </a:r>
+          </a:p>
+          <a:p>
+            <a:endParaRPr lang="en-US" dirty="0"/>
+          </a:p>
+        </p:txBody>
+      </p:sp>
+    </p:spTree>
+    <p:extLst>
+      <p:ext uri="{BB962C8B-B14F-4D97-AF65-F5344CB8AC3E}">
+        <p14:creationId xmlns:p14="http://schemas.microsoft.com/office/powerpoint/2010/main" val="3638278444"/>
+      </p:ext>
+    </p:extLst>
+  </p:cSld>
+  <p:clrMapOvr>
+    <a:masterClrMapping/>
+  </p:clrMapOvr>
+</p:sld>
+</file>
+
 <file path=ppt/theme/theme1.xml><?xml version="1.0" encoding="utf-8"?>
 <a:theme xmlns:a="http://schemas.openxmlformats.org/drawingml/2006/main" name="Office Theme">
   <a:themeElements>
